--- a/svg_test_output_autoheight.pptx
+++ b/svg_test_output_autoheight.pptx
@@ -6,6 +6,8 @@
   </p:sldMasterIdLst>
   <p:sldIdLst>
     <p:sldId id="256" r:id="rId7"/>
+    <p:sldId id="257" r:id="rId8"/>
+    <p:sldId id="258" r:id="rId9"/>
   </p:sldIdLst>
   <p:sldSz cx="14630400" cy="8229600" type="screen4x3"/>
   <p:notesSz cx="6858000" cy="9144000"/>
@@ -3093,7 +3095,7 @@
           <p:cNvPr id="2" name="Vector 2">
             <a:extLst>
               <a:ext uri="{FF2B5EF4-FFF2-40B4-BE49-F238E27FC236}">
-                <a16:creationId xmlns:a16="http://schemas.microsoft.com/office/drawing/2014/main" id="{765A4F8D-4B5C-438F-88E7-146C7CAB4ABF}"/>
+                <a16:creationId xmlns:a16="http://schemas.microsoft.com/office/drawing/2014/main" id="{EBCC6E37-27CC-499A-8461-1D15C824EBD3}"/>
               </a:ext>
             </a:extLst>
           </p:cNvPr>
@@ -3124,6 +3126,42 @@
           </a:prstGeom>
         </p:spPr>
       </p:pic>
+    </p:spTree>
+  </p:cSld>
+  <p:clrMapOvr>
+    <a:masterClrMapping/>
+  </p:clrMapOvr>
+</p:sld>
+</file>
+
+<file path=ppt/slides/slide2.xml><?xml version="1.0" encoding="utf-8"?>
+<p:sld xmlns:a="http://schemas.openxmlformats.org/drawingml/2006/main" xmlns:p="http://schemas.openxmlformats.org/presentationml/2006/main" xmlns:r="http://schemas.openxmlformats.org/officeDocument/2006/relationships">
+  <p:cSld>
+    <p:spTree>
+      <p:nvGrpSpPr>
+        <p:cNvPr id="1" name=""/>
+        <p:cNvGrpSpPr/>
+        <p:nvPr/>
+      </p:nvGrpSpPr>
+      <p:grpSpPr/>
+    </p:spTree>
+  </p:cSld>
+  <p:clrMapOvr>
+    <a:masterClrMapping/>
+  </p:clrMapOvr>
+</p:sld>
+</file>
+
+<file path=ppt/slides/slide3.xml><?xml version="1.0" encoding="utf-8"?>
+<p:sld xmlns:a="http://schemas.openxmlformats.org/drawingml/2006/main" xmlns:p="http://schemas.openxmlformats.org/presentationml/2006/main" xmlns:r="http://schemas.openxmlformats.org/officeDocument/2006/relationships">
+  <p:cSld>
+    <p:spTree>
+      <p:nvGrpSpPr>
+        <p:cNvPr id="1" name=""/>
+        <p:cNvGrpSpPr/>
+        <p:nvPr/>
+      </p:nvGrpSpPr>
+      <p:grpSpPr/>
     </p:spTree>
   </p:cSld>
   <p:clrMapOvr>
